--- a/ODD/materials/part1_local_imports.pptx
+++ b/ODD/materials/part1_local_imports.pptx
@@ -11,7 +11,7 @@
     <p:sldId id="261" r:id="rId2"/>
     <p:sldId id="277" r:id="rId3"/>
     <p:sldId id="278" r:id="rId4"/>
-    <p:sldId id="266" r:id="rId5"/>
+    <p:sldId id="286" r:id="rId5"/>
     <p:sldId id="274" r:id="rId6"/>
     <p:sldId id="279" r:id="rId7"/>
     <p:sldId id="276" r:id="rId8"/>
@@ -12088,17 +12088,38 @@
               <a:t> constant to be used in </a:t>
             </a:r>
             <a:r>
+              <a:rPr lang="en-US" sz="1400" dirty="0" err="1">
+                <a:latin typeface="Courier"/>
+                <a:sym typeface="Wingdings" panose="05000000000000000000" pitchFamily="2" charset="2"/>
+              </a:rPr>
+              <a:t>main.py</a:t>
+            </a:r>
+            <a:r>
+              <a:rPr lang="en-US" sz="1400" dirty="0">
+                <a:sym typeface="Wingdings" panose="05000000000000000000" pitchFamily="2" charset="2"/>
+              </a:rPr>
+              <a:t>.</a:t>
+            </a:r>
+          </a:p>
+          <a:p>
+            <a:r>
+              <a:rPr lang="en-US" sz="1400" dirty="0">
+                <a:sym typeface="Wingdings" panose="05000000000000000000" pitchFamily="2" charset="2"/>
+              </a:rPr>
+              <a:t>For each way of importing, how do you call </a:t>
+            </a:r>
+            <a:r>
               <a:rPr lang="en-US" sz="1400" dirty="0">
                 <a:latin typeface="Courier"/>
                 <a:sym typeface="Wingdings" panose="05000000000000000000" pitchFamily="2" charset="2"/>
               </a:rPr>
-              <a:t>main.py</a:t>
+              <a:t>ETERNAL_FLAME</a:t>
             </a:r>
             <a:r>
               <a:rPr lang="en-US" sz="1400" dirty="0">
                 <a:sym typeface="Wingdings" panose="05000000000000000000" pitchFamily="2" charset="2"/>
               </a:rPr>
-              <a:t>.</a:t>
+              <a:t>?</a:t>
             </a:r>
           </a:p>
           <a:p>
@@ -12176,15 +12197,33 @@
                                   </p:childTnLst>
                                 </p:cTn>
                               </p:par>
+                            </p:childTnLst>
+                          </p:cTn>
+                        </p:par>
+                      </p:childTnLst>
+                    </p:cTn>
+                  </p:par>
+                  <p:par>
+                    <p:cTn id="7" fill="hold">
+                      <p:stCondLst>
+                        <p:cond delay="indefinite"/>
+                      </p:stCondLst>
+                      <p:childTnLst>
+                        <p:par>
+                          <p:cTn id="8" fill="hold">
+                            <p:stCondLst>
+                              <p:cond delay="0"/>
+                            </p:stCondLst>
+                            <p:childTnLst>
                               <p:par>
-                                <p:cTn id="7" presetID="1" presetClass="entr" presetSubtype="0" fill="hold" grpId="0" nodeType="withEffect">
+                                <p:cTn id="9" presetID="1" presetClass="entr" presetSubtype="0" fill="hold" grpId="0" nodeType="clickEffect">
                                   <p:stCondLst>
                                     <p:cond delay="0"/>
                                   </p:stCondLst>
                                   <p:childTnLst>
                                     <p:set>
                                       <p:cBhvr>
-                                        <p:cTn id="8" dur="1" fill="hold">
+                                        <p:cTn id="10" dur="1" fill="hold">
                                           <p:stCondLst>
                                             <p:cond delay="0"/>
                                           </p:stCondLst>
@@ -12193,6 +12232,37 @@
                                           <p:spTgt spid="294">
                                             <p:txEl>
                                               <p:pRg st="8" end="8"/>
+                                            </p:txEl>
+                                          </p:spTgt>
+                                        </p:tgtEl>
+                                        <p:attrNameLst>
+                                          <p:attrName>style.visibility</p:attrName>
+                                        </p:attrNameLst>
+                                      </p:cBhvr>
+                                      <p:to>
+                                        <p:strVal val="visible"/>
+                                      </p:to>
+                                    </p:set>
+                                  </p:childTnLst>
+                                </p:cTn>
+                              </p:par>
+                              <p:par>
+                                <p:cTn id="11" presetID="1" presetClass="entr" presetSubtype="0" fill="hold" grpId="0" nodeType="withEffect">
+                                  <p:stCondLst>
+                                    <p:cond delay="0"/>
+                                  </p:stCondLst>
+                                  <p:childTnLst>
+                                    <p:set>
+                                      <p:cBhvr>
+                                        <p:cTn id="12" dur="1" fill="hold">
+                                          <p:stCondLst>
+                                            <p:cond delay="0"/>
+                                          </p:stCondLst>
+                                        </p:cTn>
+                                        <p:tgtEl>
+                                          <p:spTgt spid="294">
+                                            <p:txEl>
+                                              <p:pRg st="9" end="9"/>
                                             </p:txEl>
                                           </p:spTgt>
                                         </p:tgtEl>
@@ -12315,10 +12385,16 @@
           <a:bodyPr/>
           <a:lstStyle/>
           <a:p>
+            <a:pPr marL="101599" indent="0">
+              <a:buNone/>
+            </a:pPr>
             <a:r>
               <a:rPr lang="en-US" dirty="0"/>
-              <a:t>(notes in plenum)</a:t>
-            </a:r>
+              <a:t>notes</a:t>
+            </a:r>
+          </a:p>
+          <a:p>
+            <a:endParaRPr lang="en-US" dirty="0"/>
           </a:p>
         </p:txBody>
       </p:sp>
@@ -12358,6 +12434,289 @@
           </a:p>
         </p:txBody>
       </p:sp>
+      <p:graphicFrame>
+        <p:nvGraphicFramePr>
+          <p:cNvPr id="2" name="Tabelle 1">
+            <a:extLst>
+              <a:ext uri="{FF2B5EF4-FFF2-40B4-BE49-F238E27FC236}">
+                <a16:creationId xmlns:a16="http://schemas.microsoft.com/office/drawing/2014/main" id="{346B6788-644A-2721-2297-48C7FE64DAD2}"/>
+              </a:ext>
+            </a:extLst>
+          </p:cNvPr>
+          <p:cNvGraphicFramePr>
+            <a:graphicFrameLocks noGrp="1"/>
+          </p:cNvGraphicFramePr>
+          <p:nvPr>
+            <p:extLst>
+              <p:ext uri="{D42A27DB-BD31-4B8C-83A1-F6EECF244321}">
+                <p14:modId xmlns:p14="http://schemas.microsoft.com/office/powerpoint/2010/main" val="4275342975"/>
+              </p:ext>
+            </p:extLst>
+          </p:nvPr>
+        </p:nvGraphicFramePr>
+        <p:xfrm>
+          <a:off x="1178804" y="2647963"/>
+          <a:ext cx="6400800" cy="2005145"/>
+        </p:xfrm>
+        <a:graphic>
+          <a:graphicData uri="http://schemas.openxmlformats.org/drawingml/2006/table">
+            <a:tbl>
+              <a:tblPr firstRow="1" bandRow="1">
+                <a:tableStyleId>{5940675A-B579-460E-94D1-54222C63F5DA}</a:tableStyleId>
+              </a:tblPr>
+              <a:tblGrid>
+                <a:gridCol w="3202236">
+                  <a:extLst>
+                    <a:ext uri="{9D8B030D-6E8A-4147-A177-3AD203B41FA5}">
+                      <a16:colId xmlns:a16="http://schemas.microsoft.com/office/drawing/2014/main" val="3773537242"/>
+                    </a:ext>
+                  </a:extLst>
+                </a:gridCol>
+                <a:gridCol w="3198564">
+                  <a:extLst>
+                    <a:ext uri="{9D8B030D-6E8A-4147-A177-3AD203B41FA5}">
+                      <a16:colId xmlns:a16="http://schemas.microsoft.com/office/drawing/2014/main" val="2167850005"/>
+                    </a:ext>
+                  </a:extLst>
+                </a:gridCol>
+              </a:tblGrid>
+              <a:tr h="401029">
+                <a:tc>
+                  <a:txBody>
+                    <a:bodyPr/>
+                    <a:lstStyle/>
+                    <a:p>
+                      <a:pPr algn="l"/>
+                      <a:r>
+                        <a:rPr lang="de-DE" sz="1600" b="1" dirty="0">
+                          <a:latin typeface="Avenir Book" panose="02000503020000020003" pitchFamily="2" charset="0"/>
+                        </a:rPr>
+                        <a:t>Import </a:t>
+                      </a:r>
+                      <a:r>
+                        <a:rPr lang="de-DE" sz="1600" b="1" dirty="0" err="1">
+                          <a:latin typeface="Avenir Book" panose="02000503020000020003" pitchFamily="2" charset="0"/>
+                        </a:rPr>
+                        <a:t>statement</a:t>
+                      </a:r>
+                      <a:endParaRPr lang="de-DE" sz="1600" b="1" dirty="0">
+                        <a:latin typeface="Avenir Book" panose="02000503020000020003" pitchFamily="2" charset="0"/>
+                      </a:endParaRPr>
+                    </a:p>
+                  </a:txBody>
+                  <a:tcPr>
+                    <a:solidFill>
+                      <a:schemeClr val="accent4">
+                        <a:lumMod val="20000"/>
+                        <a:lumOff val="80000"/>
+                      </a:schemeClr>
+                    </a:solidFill>
+                  </a:tcPr>
+                </a:tc>
+                <a:tc>
+                  <a:txBody>
+                    <a:bodyPr/>
+                    <a:lstStyle/>
+                    <a:p>
+                      <a:pPr algn="l"/>
+                      <a:r>
+                        <a:rPr lang="de-DE" sz="1600" b="1" dirty="0" err="1">
+                          <a:latin typeface="Avenir Book" panose="02000503020000020003" pitchFamily="2" charset="0"/>
+                        </a:rPr>
+                        <a:t>How</a:t>
+                      </a:r>
+                      <a:r>
+                        <a:rPr lang="de-DE" sz="1600" b="1" dirty="0">
+                          <a:latin typeface="Avenir Book" panose="02000503020000020003" pitchFamily="2" charset="0"/>
+                        </a:rPr>
+                        <a:t> </a:t>
+                      </a:r>
+                      <a:r>
+                        <a:rPr lang="de-DE" sz="1600" b="1" dirty="0" err="1">
+                          <a:latin typeface="Avenir Book" panose="02000503020000020003" pitchFamily="2" charset="0"/>
+                        </a:rPr>
+                        <a:t>to</a:t>
+                      </a:r>
+                      <a:r>
+                        <a:rPr lang="de-DE" sz="1600" b="1" dirty="0">
+                          <a:latin typeface="Avenir Book" panose="02000503020000020003" pitchFamily="2" charset="0"/>
+                        </a:rPr>
+                        <a:t> </a:t>
+                      </a:r>
+                      <a:r>
+                        <a:rPr lang="de-DE" sz="1600" b="1" dirty="0" err="1">
+                          <a:latin typeface="Avenir Book" panose="02000503020000020003" pitchFamily="2" charset="0"/>
+                        </a:rPr>
+                        <a:t>call</a:t>
+                      </a:r>
+                      <a:r>
+                        <a:rPr lang="de-DE" sz="1600" b="1" dirty="0">
+                          <a:latin typeface="Avenir Book" panose="02000503020000020003" pitchFamily="2" charset="0"/>
+                        </a:rPr>
+                        <a:t> </a:t>
+                      </a:r>
+                      <a:r>
+                        <a:rPr lang="de-DE" sz="1600" b="1" dirty="0" err="1">
+                          <a:latin typeface="Avenir Book" panose="02000503020000020003" pitchFamily="2" charset="0"/>
+                        </a:rPr>
+                        <a:t>object</a:t>
+                      </a:r>
+                      <a:endParaRPr lang="de-DE" sz="1600" b="1" dirty="0">
+                        <a:latin typeface="Avenir Book" panose="02000503020000020003" pitchFamily="2" charset="0"/>
+                      </a:endParaRPr>
+                    </a:p>
+                  </a:txBody>
+                  <a:tcPr>
+                    <a:solidFill>
+                      <a:schemeClr val="accent4">
+                        <a:lumMod val="20000"/>
+                        <a:lumOff val="80000"/>
+                      </a:schemeClr>
+                    </a:solidFill>
+                  </a:tcPr>
+                </a:tc>
+                <a:extLst>
+                  <a:ext uri="{0D108BD9-81ED-4DB2-BD59-A6C34878D82A}">
+                    <a16:rowId xmlns:a16="http://schemas.microsoft.com/office/drawing/2014/main" val="910459843"/>
+                  </a:ext>
+                </a:extLst>
+              </a:tr>
+              <a:tr h="401029">
+                <a:tc>
+                  <a:txBody>
+                    <a:bodyPr/>
+                    <a:lstStyle/>
+                    <a:p>
+                      <a:pPr algn="l"/>
+                      <a:endParaRPr lang="de-DE" sz="1600" dirty="0">
+                        <a:latin typeface="Avenir Book" panose="02000503020000020003" pitchFamily="2" charset="0"/>
+                      </a:endParaRPr>
+                    </a:p>
+                  </a:txBody>
+                  <a:tcPr/>
+                </a:tc>
+                <a:tc>
+                  <a:txBody>
+                    <a:bodyPr/>
+                    <a:lstStyle/>
+                    <a:p>
+                      <a:pPr algn="l"/>
+                      <a:endParaRPr lang="de-DE" sz="1600" dirty="0">
+                        <a:latin typeface="Avenir Book" panose="02000503020000020003" pitchFamily="2" charset="0"/>
+                      </a:endParaRPr>
+                    </a:p>
+                  </a:txBody>
+                  <a:tcPr/>
+                </a:tc>
+                <a:extLst>
+                  <a:ext uri="{0D108BD9-81ED-4DB2-BD59-A6C34878D82A}">
+                    <a16:rowId xmlns:a16="http://schemas.microsoft.com/office/drawing/2014/main" val="3451668834"/>
+                  </a:ext>
+                </a:extLst>
+              </a:tr>
+              <a:tr h="401029">
+                <a:tc>
+                  <a:txBody>
+                    <a:bodyPr/>
+                    <a:lstStyle/>
+                    <a:p>
+                      <a:pPr algn="l"/>
+                      <a:endParaRPr lang="de-DE" sz="1600" dirty="0">
+                        <a:latin typeface="Avenir Book" panose="02000503020000020003" pitchFamily="2" charset="0"/>
+                      </a:endParaRPr>
+                    </a:p>
+                  </a:txBody>
+                  <a:tcPr/>
+                </a:tc>
+                <a:tc>
+                  <a:txBody>
+                    <a:bodyPr/>
+                    <a:lstStyle/>
+                    <a:p>
+                      <a:pPr algn="l"/>
+                      <a:endParaRPr lang="de-DE" sz="1600" dirty="0">
+                        <a:latin typeface="Avenir Book" panose="02000503020000020003" pitchFamily="2" charset="0"/>
+                      </a:endParaRPr>
+                    </a:p>
+                  </a:txBody>
+                  <a:tcPr/>
+                </a:tc>
+                <a:extLst>
+                  <a:ext uri="{0D108BD9-81ED-4DB2-BD59-A6C34878D82A}">
+                    <a16:rowId xmlns:a16="http://schemas.microsoft.com/office/drawing/2014/main" val="2129279460"/>
+                  </a:ext>
+                </a:extLst>
+              </a:tr>
+              <a:tr h="401029">
+                <a:tc>
+                  <a:txBody>
+                    <a:bodyPr/>
+                    <a:lstStyle/>
+                    <a:p>
+                      <a:pPr algn="l"/>
+                      <a:endParaRPr lang="de-DE" sz="1600" dirty="0">
+                        <a:latin typeface="Avenir Book" panose="02000503020000020003" pitchFamily="2" charset="0"/>
+                      </a:endParaRPr>
+                    </a:p>
+                  </a:txBody>
+                  <a:tcPr/>
+                </a:tc>
+                <a:tc>
+                  <a:txBody>
+                    <a:bodyPr/>
+                    <a:lstStyle/>
+                    <a:p>
+                      <a:pPr algn="l"/>
+                      <a:endParaRPr lang="de-DE" sz="1600" dirty="0">
+                        <a:latin typeface="Avenir Book" panose="02000503020000020003" pitchFamily="2" charset="0"/>
+                      </a:endParaRPr>
+                    </a:p>
+                  </a:txBody>
+                  <a:tcPr/>
+                </a:tc>
+                <a:extLst>
+                  <a:ext uri="{0D108BD9-81ED-4DB2-BD59-A6C34878D82A}">
+                    <a16:rowId xmlns:a16="http://schemas.microsoft.com/office/drawing/2014/main" val="3494000146"/>
+                  </a:ext>
+                </a:extLst>
+              </a:tr>
+              <a:tr h="401029">
+                <a:tc>
+                  <a:txBody>
+                    <a:bodyPr/>
+                    <a:lstStyle/>
+                    <a:p>
+                      <a:pPr algn="l"/>
+                      <a:endParaRPr lang="de-DE" sz="1600" dirty="0">
+                        <a:latin typeface="Avenir Book" panose="02000503020000020003" pitchFamily="2" charset="0"/>
+                      </a:endParaRPr>
+                    </a:p>
+                  </a:txBody>
+                  <a:tcPr/>
+                </a:tc>
+                <a:tc>
+                  <a:txBody>
+                    <a:bodyPr/>
+                    <a:lstStyle/>
+                    <a:p>
+                      <a:pPr algn="l"/>
+                      <a:endParaRPr lang="de-DE" sz="1600" dirty="0">
+                        <a:latin typeface="Avenir Book" panose="02000503020000020003" pitchFamily="2" charset="0"/>
+                      </a:endParaRPr>
+                    </a:p>
+                  </a:txBody>
+                  <a:tcPr/>
+                </a:tc>
+                <a:extLst>
+                  <a:ext uri="{0D108BD9-81ED-4DB2-BD59-A6C34878D82A}">
+                    <a16:rowId xmlns:a16="http://schemas.microsoft.com/office/drawing/2014/main" val="1984771062"/>
+                  </a:ext>
+                </a:extLst>
+              </a:tr>
+            </a:tbl>
+          </a:graphicData>
+        </a:graphic>
+      </p:graphicFrame>
     </p:spTree>
     <p:extLst>
       <p:ext uri="{BB962C8B-B14F-4D97-AF65-F5344CB8AC3E}">
@@ -12377,7 +12736,13 @@
   <p:cSld>
     <p:spTree>
       <p:nvGrpSpPr>
-        <p:cNvPr id="1" name=""/>
+        <p:cNvPr id="1" name="">
+          <a:extLst>
+            <a:ext uri="{FF2B5EF4-FFF2-40B4-BE49-F238E27FC236}">
+              <a16:creationId xmlns:a16="http://schemas.microsoft.com/office/drawing/2014/main" id="{04418237-C413-6912-AD30-14B20A9BB77F}"/>
+            </a:ext>
+          </a:extLst>
+        </p:cNvPr>
         <p:cNvGrpSpPr/>
         <p:nvPr/>
       </p:nvGrpSpPr>
@@ -12391,7 +12756,13 @@
       </p:grpSpPr>
       <p:sp>
         <p:nvSpPr>
-          <p:cNvPr id="306" name="Text Placeholder 1"/>
+          <p:cNvPr id="306" name="Text Placeholder 1">
+            <a:extLst>
+              <a:ext uri="{FF2B5EF4-FFF2-40B4-BE49-F238E27FC236}">
+                <a16:creationId xmlns:a16="http://schemas.microsoft.com/office/drawing/2014/main" id="{4CDB6F23-B3A0-C428-14F0-05954E7BC2C4}"/>
+              </a:ext>
+            </a:extLst>
+          </p:cNvPr>
           <p:cNvSpPr txBox="1"/>
           <p:nvPr/>
         </p:nvSpPr>
@@ -12408,7 +12779,7 @@
           </a:ln>
           <a:extLst>
             <a:ext uri="{C572A759-6A51-4108-AA02-DFA0A04FC94B}">
-              <ma14:wrappingTextBoxFlag xmlns="" xmlns:m="http://schemas.openxmlformats.org/officeDocument/2006/math" xmlns:a14="http://schemas.microsoft.com/office/drawing/2010/main" xmlns:ma14="http://schemas.microsoft.com/office/mac/drawingml/2011/main" val="1"/>
+              <ma14:wrappingTextBoxFlag xmlns:ma14="http://schemas.microsoft.com/office/mac/drawingml/2011/main" xmlns:a14="http://schemas.microsoft.com/office/drawing/2010/main" xmlns:m="http://schemas.openxmlformats.org/officeDocument/2006/math" xmlns="" val="1"/>
             </a:ext>
           </a:extLst>
         </p:spPr>
@@ -12466,7 +12837,13 @@
       </p:sp>
       <p:sp>
         <p:nvSpPr>
-          <p:cNvPr id="307" name="Text Placeholder 1"/>
+          <p:cNvPr id="307" name="Text Placeholder 1">
+            <a:extLst>
+              <a:ext uri="{FF2B5EF4-FFF2-40B4-BE49-F238E27FC236}">
+                <a16:creationId xmlns:a16="http://schemas.microsoft.com/office/drawing/2014/main" id="{5E64BCE3-718D-0706-B3ED-E0E3A011103C}"/>
+              </a:ext>
+            </a:extLst>
+          </p:cNvPr>
           <p:cNvSpPr txBox="1"/>
           <p:nvPr/>
         </p:nvSpPr>
@@ -12483,7 +12860,7 @@
           </a:ln>
           <a:extLst>
             <a:ext uri="{C572A759-6A51-4108-AA02-DFA0A04FC94B}">
-              <ma14:wrappingTextBoxFlag xmlns="" xmlns:m="http://schemas.openxmlformats.org/officeDocument/2006/math" xmlns:a14="http://schemas.microsoft.com/office/drawing/2010/main" xmlns:ma14="http://schemas.microsoft.com/office/mac/drawingml/2011/main" val="1"/>
+              <ma14:wrappingTextBoxFlag xmlns:ma14="http://schemas.microsoft.com/office/mac/drawingml/2011/main" xmlns:a14="http://schemas.microsoft.com/office/drawing/2010/main" xmlns:m="http://schemas.openxmlformats.org/officeDocument/2006/math" xmlns="" val="1"/>
             </a:ext>
           </a:extLst>
         </p:spPr>
@@ -12545,7 +12922,13 @@
       </p:sp>
       <p:sp>
         <p:nvSpPr>
-          <p:cNvPr id="308" name="Text Placeholder 1"/>
+          <p:cNvPr id="308" name="Text Placeholder 1">
+            <a:extLst>
+              <a:ext uri="{FF2B5EF4-FFF2-40B4-BE49-F238E27FC236}">
+                <a16:creationId xmlns:a16="http://schemas.microsoft.com/office/drawing/2014/main" id="{2F9591AB-3E17-E3A1-2960-3CFB5F308868}"/>
+              </a:ext>
+            </a:extLst>
+          </p:cNvPr>
           <p:cNvSpPr txBox="1"/>
           <p:nvPr/>
         </p:nvSpPr>
@@ -12562,7 +12945,7 @@
           </a:ln>
           <a:extLst>
             <a:ext uri="{C572A759-6A51-4108-AA02-DFA0A04FC94B}">
-              <ma14:wrappingTextBoxFlag xmlns="" xmlns:m="http://schemas.openxmlformats.org/officeDocument/2006/math" xmlns:a14="http://schemas.microsoft.com/office/drawing/2010/main" xmlns:ma14="http://schemas.microsoft.com/office/mac/drawingml/2011/main" val="1"/>
+              <ma14:wrappingTextBoxFlag xmlns:ma14="http://schemas.microsoft.com/office/mac/drawingml/2011/main" xmlns:a14="http://schemas.microsoft.com/office/drawing/2010/main" xmlns:m="http://schemas.openxmlformats.org/officeDocument/2006/math" xmlns="" val="1"/>
             </a:ext>
           </a:extLst>
         </p:spPr>
@@ -12628,7 +13011,13 @@
       </p:sp>
       <p:sp>
         <p:nvSpPr>
-          <p:cNvPr id="309" name="Text Placeholder 1"/>
+          <p:cNvPr id="309" name="Text Placeholder 1">
+            <a:extLst>
+              <a:ext uri="{FF2B5EF4-FFF2-40B4-BE49-F238E27FC236}">
+                <a16:creationId xmlns:a16="http://schemas.microsoft.com/office/drawing/2014/main" id="{3A2CA249-55B9-12C5-43AB-7D03CB8E0239}"/>
+              </a:ext>
+            </a:extLst>
+          </p:cNvPr>
           <p:cNvSpPr txBox="1"/>
           <p:nvPr/>
         </p:nvSpPr>
@@ -12645,7 +13034,7 @@
           </a:ln>
           <a:extLst>
             <a:ext uri="{C572A759-6A51-4108-AA02-DFA0A04FC94B}">
-              <ma14:wrappingTextBoxFlag xmlns="" xmlns:m="http://schemas.openxmlformats.org/officeDocument/2006/math" xmlns:a14="http://schemas.microsoft.com/office/drawing/2010/main" xmlns:ma14="http://schemas.microsoft.com/office/mac/drawingml/2011/main" val="1"/>
+              <ma14:wrappingTextBoxFlag xmlns:ma14="http://schemas.microsoft.com/office/mac/drawingml/2011/main" xmlns:a14="http://schemas.microsoft.com/office/drawing/2010/main" xmlns:m="http://schemas.openxmlformats.org/officeDocument/2006/math" xmlns="" val="1"/>
             </a:ext>
           </a:extLst>
         </p:spPr>
@@ -12703,7 +13092,13 @@
       </p:sp>
       <p:sp>
         <p:nvSpPr>
-          <p:cNvPr id="310" name="Title 1"/>
+          <p:cNvPr id="310" name="Title 1">
+            <a:extLst>
+              <a:ext uri="{FF2B5EF4-FFF2-40B4-BE49-F238E27FC236}">
+                <a16:creationId xmlns:a16="http://schemas.microsoft.com/office/drawing/2014/main" id="{9330E721-DBE2-E019-22FC-138733F68DE3}"/>
+              </a:ext>
+            </a:extLst>
+          </p:cNvPr>
           <p:cNvSpPr txBox="1">
             <a:spLocks noGrp="1"/>
           </p:cNvSpPr>
@@ -12735,7 +13130,13 @@
       </p:sp>
       <p:sp>
         <p:nvSpPr>
-          <p:cNvPr id="311" name="Text Placeholder 2"/>
+          <p:cNvPr id="311" name="Text Placeholder 2">
+            <a:extLst>
+              <a:ext uri="{FF2B5EF4-FFF2-40B4-BE49-F238E27FC236}">
+                <a16:creationId xmlns:a16="http://schemas.microsoft.com/office/drawing/2014/main" id="{38DBB432-5852-8C3D-B493-8FEDDDF3CF78}"/>
+              </a:ext>
+            </a:extLst>
+          </p:cNvPr>
           <p:cNvSpPr txBox="1">
             <a:spLocks noGrp="1"/>
           </p:cNvSpPr>
@@ -12836,7 +13237,13 @@
       </p:sp>
       <p:sp>
         <p:nvSpPr>
-          <p:cNvPr id="312" name="Slide Number Placeholder 3"/>
+          <p:cNvPr id="312" name="Slide Number Placeholder 3">
+            <a:extLst>
+              <a:ext uri="{FF2B5EF4-FFF2-40B4-BE49-F238E27FC236}">
+                <a16:creationId xmlns:a16="http://schemas.microsoft.com/office/drawing/2014/main" id="{6AAB4D71-FCFA-8590-C584-C8EC894C915B}"/>
+              </a:ext>
+            </a:extLst>
+          </p:cNvPr>
           <p:cNvSpPr txBox="1">
             <a:spLocks noGrp="1"/>
           </p:cNvSpPr>
@@ -12854,7 +13261,7 @@
           </a:prstGeom>
           <a:extLst>
             <a:ext uri="{C572A759-6A51-4108-AA02-DFA0A04FC94B}">
-              <ma14:wrappingTextBoxFlag xmlns="" xmlns:m="http://schemas.openxmlformats.org/officeDocument/2006/math" xmlns:a14="http://schemas.microsoft.com/office/drawing/2010/main" xmlns:ma14="http://schemas.microsoft.com/office/mac/drawingml/2011/main" val="1"/>
+              <ma14:wrappingTextBoxFlag xmlns:ma14="http://schemas.microsoft.com/office/mac/drawingml/2011/main" xmlns:a14="http://schemas.microsoft.com/office/drawing/2010/main" xmlns:m="http://schemas.openxmlformats.org/officeDocument/2006/math" xmlns="" val="1"/>
             </a:ext>
           </a:extLst>
         </p:spPr>
@@ -12872,7 +13279,13 @@
       </p:sp>
       <p:sp>
         <p:nvSpPr>
-          <p:cNvPr id="313" name="Text Placeholder 1"/>
+          <p:cNvPr id="313" name="Text Placeholder 1">
+            <a:extLst>
+              <a:ext uri="{FF2B5EF4-FFF2-40B4-BE49-F238E27FC236}">
+                <a16:creationId xmlns:a16="http://schemas.microsoft.com/office/drawing/2014/main" id="{C4EF3FB4-35AC-3A48-E063-9F996E07D98B}"/>
+              </a:ext>
+            </a:extLst>
+          </p:cNvPr>
           <p:cNvSpPr txBox="1"/>
           <p:nvPr/>
         </p:nvSpPr>
@@ -12889,7 +13302,7 @@
           </a:ln>
           <a:extLst>
             <a:ext uri="{C572A759-6A51-4108-AA02-DFA0A04FC94B}">
-              <ma14:wrappingTextBoxFlag xmlns="" xmlns:m="http://schemas.openxmlformats.org/officeDocument/2006/math" xmlns:a14="http://schemas.microsoft.com/office/drawing/2010/main" xmlns:ma14="http://schemas.microsoft.com/office/mac/drawingml/2011/main" val="1"/>
+              <ma14:wrappingTextBoxFlag xmlns:ma14="http://schemas.microsoft.com/office/mac/drawingml/2011/main" xmlns:a14="http://schemas.microsoft.com/office/drawing/2010/main" xmlns:m="http://schemas.openxmlformats.org/officeDocument/2006/math" xmlns="" val="1"/>
             </a:ext>
           </a:extLst>
         </p:spPr>
@@ -12930,7 +13343,13 @@
       </p:sp>
       <p:sp>
         <p:nvSpPr>
-          <p:cNvPr id="314" name="Text Placeholder 1"/>
+          <p:cNvPr id="314" name="Text Placeholder 1">
+            <a:extLst>
+              <a:ext uri="{FF2B5EF4-FFF2-40B4-BE49-F238E27FC236}">
+                <a16:creationId xmlns:a16="http://schemas.microsoft.com/office/drawing/2014/main" id="{C2C1CFD7-831B-CFE9-33DA-E2007199AB99}"/>
+              </a:ext>
+            </a:extLst>
+          </p:cNvPr>
           <p:cNvSpPr txBox="1"/>
           <p:nvPr/>
         </p:nvSpPr>
@@ -12947,7 +13366,7 @@
           </a:ln>
           <a:extLst>
             <a:ext uri="{C572A759-6A51-4108-AA02-DFA0A04FC94B}">
-              <ma14:wrappingTextBoxFlag xmlns="" xmlns:m="http://schemas.openxmlformats.org/officeDocument/2006/math" xmlns:a14="http://schemas.microsoft.com/office/drawing/2010/main" xmlns:ma14="http://schemas.microsoft.com/office/mac/drawingml/2011/main" val="1"/>
+              <ma14:wrappingTextBoxFlag xmlns:ma14="http://schemas.microsoft.com/office/mac/drawingml/2011/main" xmlns:a14="http://schemas.microsoft.com/office/drawing/2010/main" xmlns:m="http://schemas.openxmlformats.org/officeDocument/2006/math" xmlns="" val="1"/>
             </a:ext>
           </a:extLst>
         </p:spPr>
@@ -12999,7 +13418,13 @@
       </p:sp>
       <p:sp>
         <p:nvSpPr>
-          <p:cNvPr id="315" name="Text Placeholder 1"/>
+          <p:cNvPr id="315" name="Text Placeholder 1">
+            <a:extLst>
+              <a:ext uri="{FF2B5EF4-FFF2-40B4-BE49-F238E27FC236}">
+                <a16:creationId xmlns:a16="http://schemas.microsoft.com/office/drawing/2014/main" id="{EFB0D38A-D0F9-3EF1-8844-F3EFF9D1562C}"/>
+              </a:ext>
+            </a:extLst>
+          </p:cNvPr>
           <p:cNvSpPr txBox="1"/>
           <p:nvPr/>
         </p:nvSpPr>
@@ -13016,7 +13441,7 @@
           </a:ln>
           <a:extLst>
             <a:ext uri="{C572A759-6A51-4108-AA02-DFA0A04FC94B}">
-              <ma14:wrappingTextBoxFlag xmlns="" xmlns:m="http://schemas.openxmlformats.org/officeDocument/2006/math" xmlns:a14="http://schemas.microsoft.com/office/drawing/2010/main" xmlns:ma14="http://schemas.microsoft.com/office/mac/drawingml/2011/main" val="1"/>
+              <ma14:wrappingTextBoxFlag xmlns:ma14="http://schemas.microsoft.com/office/mac/drawingml/2011/main" xmlns:a14="http://schemas.microsoft.com/office/drawing/2010/main" xmlns:m="http://schemas.openxmlformats.org/officeDocument/2006/math" xmlns="" val="1"/>
             </a:ext>
           </a:extLst>
         </p:spPr>
@@ -13068,7 +13493,13 @@
       </p:sp>
       <p:sp>
         <p:nvSpPr>
-          <p:cNvPr id="316" name="Text Placeholder 1"/>
+          <p:cNvPr id="316" name="Text Placeholder 1">
+            <a:extLst>
+              <a:ext uri="{FF2B5EF4-FFF2-40B4-BE49-F238E27FC236}">
+                <a16:creationId xmlns:a16="http://schemas.microsoft.com/office/drawing/2014/main" id="{B1FD3F7A-4FF3-CAF3-4692-9EBDD92A293E}"/>
+              </a:ext>
+            </a:extLst>
+          </p:cNvPr>
           <p:cNvSpPr txBox="1"/>
           <p:nvPr/>
         </p:nvSpPr>
@@ -13085,7 +13516,7 @@
           </a:ln>
           <a:extLst>
             <a:ext uri="{C572A759-6A51-4108-AA02-DFA0A04FC94B}">
-              <ma14:wrappingTextBoxFlag xmlns="" xmlns:m="http://schemas.openxmlformats.org/officeDocument/2006/math" xmlns:a14="http://schemas.microsoft.com/office/drawing/2010/main" xmlns:ma14="http://schemas.microsoft.com/office/mac/drawingml/2011/main" val="1"/>
+              <ma14:wrappingTextBoxFlag xmlns:ma14="http://schemas.microsoft.com/office/mac/drawingml/2011/main" xmlns:a14="http://schemas.microsoft.com/office/drawing/2010/main" xmlns:m="http://schemas.openxmlformats.org/officeDocument/2006/math" xmlns="" val="1"/>
             </a:ext>
           </a:extLst>
         </p:spPr>
@@ -13151,7 +13582,13 @@
       </p:sp>
       <p:sp>
         <p:nvSpPr>
-          <p:cNvPr id="317" name="Text Placeholder 1"/>
+          <p:cNvPr id="317" name="Text Placeholder 1">
+            <a:extLst>
+              <a:ext uri="{FF2B5EF4-FFF2-40B4-BE49-F238E27FC236}">
+                <a16:creationId xmlns:a16="http://schemas.microsoft.com/office/drawing/2014/main" id="{B87C51C9-2B26-D3FA-3978-A27D05025411}"/>
+              </a:ext>
+            </a:extLst>
+          </p:cNvPr>
           <p:cNvSpPr txBox="1"/>
           <p:nvPr/>
         </p:nvSpPr>
@@ -13168,7 +13605,7 @@
           </a:ln>
           <a:extLst>
             <a:ext uri="{C572A759-6A51-4108-AA02-DFA0A04FC94B}">
-              <ma14:wrappingTextBoxFlag xmlns="" xmlns:m="http://schemas.openxmlformats.org/officeDocument/2006/math" xmlns:a14="http://schemas.microsoft.com/office/drawing/2010/main" xmlns:ma14="http://schemas.microsoft.com/office/mac/drawingml/2011/main" val="1"/>
+              <ma14:wrappingTextBoxFlag xmlns:ma14="http://schemas.microsoft.com/office/mac/drawingml/2011/main" xmlns:a14="http://schemas.microsoft.com/office/drawing/2010/main" xmlns:m="http://schemas.openxmlformats.org/officeDocument/2006/math" xmlns="" val="1"/>
             </a:ext>
           </a:extLst>
         </p:spPr>
@@ -13234,7 +13671,13 @@
       </p:sp>
       <p:sp>
         <p:nvSpPr>
-          <p:cNvPr id="318" name="Text Placeholder 1"/>
+          <p:cNvPr id="318" name="Text Placeholder 1">
+            <a:extLst>
+              <a:ext uri="{FF2B5EF4-FFF2-40B4-BE49-F238E27FC236}">
+                <a16:creationId xmlns:a16="http://schemas.microsoft.com/office/drawing/2014/main" id="{9E41365A-6235-992B-F77D-50B2DFA10122}"/>
+              </a:ext>
+            </a:extLst>
+          </p:cNvPr>
           <p:cNvSpPr txBox="1"/>
           <p:nvPr/>
         </p:nvSpPr>
@@ -13251,7 +13694,7 @@
           </a:ln>
           <a:extLst>
             <a:ext uri="{C572A759-6A51-4108-AA02-DFA0A04FC94B}">
-              <ma14:wrappingTextBoxFlag xmlns="" xmlns:m="http://schemas.openxmlformats.org/officeDocument/2006/math" xmlns:a14="http://schemas.microsoft.com/office/drawing/2010/main" xmlns:ma14="http://schemas.microsoft.com/office/mac/drawingml/2011/main" val="1"/>
+              <ma14:wrappingTextBoxFlag xmlns:ma14="http://schemas.microsoft.com/office/mac/drawingml/2011/main" xmlns:a14="http://schemas.microsoft.com/office/drawing/2010/main" xmlns:m="http://schemas.openxmlformats.org/officeDocument/2006/math" xmlns="" val="1"/>
             </a:ext>
           </a:extLst>
         </p:spPr>
@@ -13317,7 +13760,13 @@
       </p:sp>
       <p:sp>
         <p:nvSpPr>
-          <p:cNvPr id="319" name="Text Placeholder 1"/>
+          <p:cNvPr id="319" name="Text Placeholder 1">
+            <a:extLst>
+              <a:ext uri="{FF2B5EF4-FFF2-40B4-BE49-F238E27FC236}">
+                <a16:creationId xmlns:a16="http://schemas.microsoft.com/office/drawing/2014/main" id="{264E0987-91CC-3F6B-7CFB-0910451BDE46}"/>
+              </a:ext>
+            </a:extLst>
+          </p:cNvPr>
           <p:cNvSpPr txBox="1"/>
           <p:nvPr/>
         </p:nvSpPr>
@@ -13334,7 +13783,7 @@
           </a:ln>
           <a:extLst>
             <a:ext uri="{C572A759-6A51-4108-AA02-DFA0A04FC94B}">
-              <ma14:wrappingTextBoxFlag xmlns="" xmlns:m="http://schemas.openxmlformats.org/officeDocument/2006/math" xmlns:a14="http://schemas.microsoft.com/office/drawing/2010/main" xmlns:ma14="http://schemas.microsoft.com/office/mac/drawingml/2011/main" val="1"/>
+              <ma14:wrappingTextBoxFlag xmlns:ma14="http://schemas.microsoft.com/office/mac/drawingml/2011/main" xmlns:a14="http://schemas.microsoft.com/office/drawing/2010/main" xmlns:m="http://schemas.openxmlformats.org/officeDocument/2006/math" xmlns="" val="1"/>
             </a:ext>
           </a:extLst>
         </p:spPr>
@@ -13384,7 +13833,13 @@
       </p:sp>
       <p:sp>
         <p:nvSpPr>
-          <p:cNvPr id="320" name="Text Placeholder 1"/>
+          <p:cNvPr id="320" name="Text Placeholder 1">
+            <a:extLst>
+              <a:ext uri="{FF2B5EF4-FFF2-40B4-BE49-F238E27FC236}">
+                <a16:creationId xmlns:a16="http://schemas.microsoft.com/office/drawing/2014/main" id="{730F972D-F6CD-AEC4-DD67-30E314B0454B}"/>
+              </a:ext>
+            </a:extLst>
+          </p:cNvPr>
           <p:cNvSpPr txBox="1"/>
           <p:nvPr/>
         </p:nvSpPr>
@@ -13401,7 +13856,7 @@
           </a:ln>
           <a:extLst>
             <a:ext uri="{C572A759-6A51-4108-AA02-DFA0A04FC94B}">
-              <ma14:wrappingTextBoxFlag xmlns="" xmlns:m="http://schemas.openxmlformats.org/officeDocument/2006/math" xmlns:a14="http://schemas.microsoft.com/office/drawing/2010/main" xmlns:ma14="http://schemas.microsoft.com/office/mac/drawingml/2011/main" val="1"/>
+              <ma14:wrappingTextBoxFlag xmlns:ma14="http://schemas.microsoft.com/office/mac/drawingml/2011/main" xmlns:a14="http://schemas.microsoft.com/office/drawing/2010/main" xmlns:m="http://schemas.openxmlformats.org/officeDocument/2006/math" xmlns="" val="1"/>
             </a:ext>
           </a:extLst>
         </p:spPr>
@@ -13454,6 +13909,11 @@
         </p:txBody>
       </p:sp>
     </p:spTree>
+    <p:extLst>
+      <p:ext uri="{BB962C8B-B14F-4D97-AF65-F5344CB8AC3E}">
+        <p14:creationId xmlns:p14="http://schemas.microsoft.com/office/powerpoint/2010/main" val="3016323388"/>
+      </p:ext>
+    </p:extLst>
   </p:cSld>
   <p:clrMapOvr>
     <a:masterClrMapping/>
@@ -13513,7 +13973,7 @@
             </a:r>
             <a:r>
               <a:rPr lang="da-DK" dirty="0"/>
-              <a:t> 2a: Simple </a:t>
+              <a:t> 1a: Simple </a:t>
             </a:r>
             <a:r>
               <a:rPr lang="da-DK" dirty="0" err="1"/>
@@ -13649,13 +14109,22 @@
               <a:rPr lang="en-US" dirty="0"/>
             </a:br>
             <a:r>
+              <a:rPr lang="en-US">
+                <a:latin typeface="Avenir Heavy"/>
+                <a:ea typeface="Avenir Heavy"/>
+                <a:cs typeface="Avenir Heavy"/>
+                <a:sym typeface="Avenir Heavy"/>
+              </a:rPr>
+              <a:t>Exercise 1a </a:t>
+            </a:r>
+            <a:r>
               <a:rPr lang="en-US" dirty="0">
                 <a:latin typeface="Avenir Heavy"/>
                 <a:ea typeface="Avenir Heavy"/>
                 <a:cs typeface="Avenir Heavy"/>
                 <a:sym typeface="Avenir Heavy"/>
               </a:rPr>
-              <a:t>Exercise 2a Local importing.md</a:t>
+              <a:t>Local importing.md</a:t>
             </a:r>
           </a:p>
           <a:p>
@@ -13932,7 +14401,7 @@
             </a:r>
             <a:r>
               <a:rPr lang="da-DK" dirty="0"/>
-              <a:t> 2b: </a:t>
+              <a:t> 1b: </a:t>
             </a:r>
             <a:r>
               <a:rPr lang="da-DK" dirty="0" err="1"/>
@@ -14034,7 +14503,7 @@
                 <a:cs typeface="Avenir Heavy"/>
                 <a:sym typeface="Avenir Heavy"/>
               </a:rPr>
-              <a:t>Exercise 2b Unprotected code.md</a:t>
+              <a:t>Exercise 1b Unprotected code.md</a:t>
             </a:r>
           </a:p>
           <a:p>
